--- a/test/INFO5993_assignment2_450053579.pptx
+++ b/test/INFO5993_assignment2_450053579.pptx
@@ -9854,7 +9854,7 @@
             </a:r>
             <a:r>
               <a:rPr lang="en-US" sz="1400" dirty="0" smtClean="0"/>
-              <a:t>	Associate Professor </a:t>
+              <a:t>	|Associate Professor </a:t>
             </a:r>
             <a:endParaRPr lang="en-US" sz="1400" dirty="0"/>
           </a:p>
@@ -11311,8 +11311,13 @@
           <a:p>
             <a:r>
               <a:rPr lang="en-AU" dirty="0" smtClean="0"/>
-              <a:t>Simulation and Analysis of Digital Construction  </a:t>
-            </a:r>
+              <a:t>Simulation and Analysis of Digital </a:t>
+            </a:r>
+            <a:r>
+              <a:rPr lang="en-AU" dirty="0" smtClean="0"/>
+              <a:t>Reconstruction  </a:t>
+            </a:r>
+            <a:endParaRPr lang="en-AU" dirty="0" smtClean="0"/>
           </a:p>
           <a:p>
             <a:r>
@@ -13016,7 +13021,11 @@
           <a:p>
             <a:r>
               <a:rPr lang="en-AU" dirty="0" smtClean="0"/>
-              <a:t>Soma Segmentation</a:t>
+              <a:t>Soma </a:t>
+            </a:r>
+            <a:r>
+              <a:rPr lang="en-AU" dirty="0" smtClean="0"/>
+              <a:t>Detection</a:t>
             </a:r>
             <a:endParaRPr lang="en-AU" dirty="0"/>
           </a:p>
@@ -13677,10 +13686,6 @@
             <a:br>
               <a:rPr lang="en-AU" dirty="0" smtClean="0"/>
             </a:br>
-            <a:r>
-              <a:rPr lang="en-AU" dirty="0" smtClean="0"/>
-              <a:t>(Cont.)</a:t>
-            </a:r>
             <a:endParaRPr lang="en-AU" dirty="0"/>
           </a:p>
         </p:txBody>
@@ -13949,7 +13954,7 @@
           <a:p>
             <a:r>
               <a:rPr lang="en-US" sz="1400" dirty="0" smtClean="0"/>
-              <a:t>Stimulation of Digital Reconstruction </a:t>
+              <a:t>Simulation of Digital Reconstruction </a:t>
             </a:r>
             <a:endParaRPr lang="en-US" sz="1400" dirty="0"/>
           </a:p>
@@ -14112,11 +14117,11 @@
             <a:pPr lvl="1"/>
             <a:r>
               <a:rPr lang="en-US" dirty="0" smtClean="0"/>
-              <a:t> </a:t>
+              <a:t>Image Stacks </a:t>
             </a:r>
             <a:r>
               <a:rPr lang="en-US" dirty="0"/>
-              <a:t>Image Stack from Dragonfly </a:t>
+              <a:t>from Dragonfly </a:t>
             </a:r>
             <a:r>
               <a:rPr lang="en-US" dirty="0" smtClean="0"/>
